--- a/ШАБЛОН.pptx
+++ b/ШАБЛОН.pptx
@@ -254,7 +254,7 @@
           <a:p>
             <a:fld id="{4AAD347D-5ACD-4C99-B74B-A9C85AD731AF}" type="datetimeFigureOut">
               <a:rPr lang="en-US" smtClean="0"/>
-              <a:t>3/24/2025</a:t>
+              <a:t>4/7/2025</a:t>
             </a:fld>
             <a:endParaRPr lang="en-US" dirty="0"/>
           </a:p>
@@ -424,7 +424,7 @@
           <a:p>
             <a:fld id="{4509A250-FF31-4206-8172-F9D3106AACB1}" type="datetimeFigureOut">
               <a:rPr lang="en-US" smtClean="0"/>
-              <a:t>3/24/2025</a:t>
+              <a:t>4/7/2025</a:t>
             </a:fld>
             <a:endParaRPr lang="en-US" dirty="0"/>
           </a:p>
@@ -604,7 +604,7 @@
           <a:p>
             <a:fld id="{4509A250-FF31-4206-8172-F9D3106AACB1}" type="datetimeFigureOut">
               <a:rPr lang="en-US" smtClean="0"/>
-              <a:t>3/24/2025</a:t>
+              <a:t>4/7/2025</a:t>
             </a:fld>
             <a:endParaRPr lang="en-US" dirty="0"/>
           </a:p>
@@ -774,7 +774,7 @@
           <a:p>
             <a:fld id="{9796027F-7875-4030-9381-8BD8C4F21935}" type="datetimeFigureOut">
               <a:rPr lang="en-US" smtClean="0"/>
-              <a:t>3/24/2025</a:t>
+              <a:t>4/7/2025</a:t>
             </a:fld>
             <a:endParaRPr lang="en-US" dirty="0"/>
           </a:p>
@@ -1018,7 +1018,7 @@
           <a:p>
             <a:fld id="{9796027F-7875-4030-9381-8BD8C4F21935}" type="datetimeFigureOut">
               <a:rPr lang="en-US" smtClean="0"/>
-              <a:t>3/24/2025</a:t>
+              <a:t>4/7/2025</a:t>
             </a:fld>
             <a:endParaRPr lang="en-US" dirty="0"/>
           </a:p>
@@ -1250,7 +1250,7 @@
           <a:p>
             <a:fld id="{9796027F-7875-4030-9381-8BD8C4F21935}" type="datetimeFigureOut">
               <a:rPr lang="en-US" smtClean="0"/>
-              <a:t>3/24/2025</a:t>
+              <a:t>4/7/2025</a:t>
             </a:fld>
             <a:endParaRPr lang="en-US" dirty="0"/>
           </a:p>
@@ -1617,7 +1617,7 @@
           <a:p>
             <a:fld id="{9796027F-7875-4030-9381-8BD8C4F21935}" type="datetimeFigureOut">
               <a:rPr lang="en-US" smtClean="0"/>
-              <a:t>3/24/2025</a:t>
+              <a:t>4/7/2025</a:t>
             </a:fld>
             <a:endParaRPr lang="en-US" dirty="0"/>
           </a:p>
@@ -1735,7 +1735,7 @@
           <a:p>
             <a:fld id="{4509A250-FF31-4206-8172-F9D3106AACB1}" type="datetimeFigureOut">
               <a:rPr lang="en-US" smtClean="0"/>
-              <a:t>3/24/2025</a:t>
+              <a:t>4/7/2025</a:t>
             </a:fld>
             <a:endParaRPr lang="en-US" dirty="0"/>
           </a:p>
@@ -1830,7 +1830,7 @@
           <a:p>
             <a:fld id="{4509A250-FF31-4206-8172-F9D3106AACB1}" type="datetimeFigureOut">
               <a:rPr lang="en-US" smtClean="0"/>
-              <a:t>3/24/2025</a:t>
+              <a:t>4/7/2025</a:t>
             </a:fld>
             <a:endParaRPr lang="en-US" dirty="0"/>
           </a:p>
@@ -2107,7 +2107,7 @@
           <a:p>
             <a:fld id="{4509A250-FF31-4206-8172-F9D3106AACB1}" type="datetimeFigureOut">
               <a:rPr lang="en-US" smtClean="0"/>
-              <a:t>3/24/2025</a:t>
+              <a:t>4/7/2025</a:t>
             </a:fld>
             <a:endParaRPr lang="en-US" dirty="0"/>
           </a:p>
@@ -2364,7 +2364,7 @@
           <a:p>
             <a:fld id="{4509A250-FF31-4206-8172-F9D3106AACB1}" type="datetimeFigureOut">
               <a:rPr lang="en-US" smtClean="0"/>
-              <a:t>3/24/2025</a:t>
+              <a:t>4/7/2025</a:t>
             </a:fld>
             <a:endParaRPr lang="en-US" dirty="0"/>
           </a:p>
@@ -2577,7 +2577,7 @@
           <a:p>
             <a:fld id="{4AAD347D-5ACD-4C99-B74B-A9C85AD731AF}" type="datetimeFigureOut">
               <a:rPr lang="en-US" smtClean="0"/>
-              <a:t>3/24/2025</a:t>
+              <a:t>4/7/2025</a:t>
             </a:fld>
             <a:endParaRPr lang="en-US" dirty="0"/>
           </a:p>
@@ -2997,7 +2997,7 @@
         </p:nvSpPr>
         <p:spPr>
           <a:xfrm>
-            <a:off x="695674" y="0"/>
+            <a:off x="1439385" y="0"/>
             <a:ext cx="3979231" cy="584775"/>
           </a:xfrm>
           <a:prstGeom prst="rect">
